--- a/Lecture/Tidy Data 1/Tidy_Data_1_Lecture.pptx
+++ b/Lecture/Tidy Data 1/Tidy_Data_1_Lecture.pptx
@@ -311,7 +311,7 @@
               <a:pPr>
                 <a:defRPr/>
               </a:pPr>
-              <a:t>9/27/2018</a:t>
+              <a:t>9/18/2019</a:t>
             </a:fld>
             <a:endParaRPr lang="en-US" dirty="0"/>
           </a:p>
@@ -523,7 +523,7 @@
               <a:pPr>
                 <a:defRPr/>
               </a:pPr>
-              <a:t>9/27/2018</a:t>
+              <a:t>9/18/2019</a:t>
             </a:fld>
             <a:endParaRPr lang="en-US" dirty="0"/>
           </a:p>
@@ -1042,7 +1042,7 @@
               <a:pPr>
                 <a:defRPr/>
               </a:pPr>
-              <a:t>9/27/2018</a:t>
+              <a:t>9/18/2019</a:t>
             </a:fld>
             <a:endParaRPr lang="en-US" dirty="0"/>
           </a:p>
@@ -1232,7 +1232,7 @@
               <a:pPr>
                 <a:defRPr/>
               </a:pPr>
-              <a:t>9/27/2018</a:t>
+              <a:t>9/18/2019</a:t>
             </a:fld>
             <a:endParaRPr lang="en-US" dirty="0"/>
           </a:p>
@@ -1432,7 +1432,7 @@
               <a:pPr>
                 <a:defRPr/>
               </a:pPr>
-              <a:t>9/27/2018</a:t>
+              <a:t>9/18/2019</a:t>
             </a:fld>
             <a:endParaRPr lang="en-US" dirty="0"/>
           </a:p>
@@ -1700,7 +1700,7 @@
               <a:pPr>
                 <a:defRPr/>
               </a:pPr>
-              <a:t>9/27/2018</a:t>
+              <a:t>9/18/2019</a:t>
             </a:fld>
             <a:endParaRPr lang="en-US" dirty="0">
               <a:solidFill>
@@ -1914,7 +1914,7 @@
               <a:pPr>
                 <a:defRPr/>
               </a:pPr>
-              <a:t>9/27/2018</a:t>
+              <a:t>9/18/2019</a:t>
             </a:fld>
             <a:endParaRPr lang="en-US" dirty="0">
               <a:solidFill>
@@ -2205,7 +2205,7 @@
               <a:pPr>
                 <a:defRPr/>
               </a:pPr>
-              <a:t>9/27/2018</a:t>
+              <a:t>9/18/2019</a:t>
             </a:fld>
             <a:endParaRPr lang="en-US" dirty="0">
               <a:solidFill>
@@ -2536,7 +2536,7 @@
               <a:pPr>
                 <a:defRPr/>
               </a:pPr>
-              <a:t>9/27/2018</a:t>
+              <a:t>9/18/2019</a:t>
             </a:fld>
             <a:endParaRPr lang="en-US" dirty="0">
               <a:solidFill>
@@ -3001,7 +3001,7 @@
               <a:pPr>
                 <a:defRPr/>
               </a:pPr>
-              <a:t>9/27/2018</a:t>
+              <a:t>9/18/2019</a:t>
             </a:fld>
             <a:endParaRPr lang="en-US" dirty="0">
               <a:solidFill>
@@ -3164,7 +3164,7 @@
               <a:pPr>
                 <a:defRPr/>
               </a:pPr>
-              <a:t>9/27/2018</a:t>
+              <a:t>9/18/2019</a:t>
             </a:fld>
             <a:endParaRPr lang="en-US" dirty="0">
               <a:solidFill>
@@ -3305,7 +3305,7 @@
               <a:pPr>
                 <a:defRPr/>
               </a:pPr>
-              <a:t>9/27/2018</a:t>
+              <a:t>9/18/2019</a:t>
             </a:fld>
             <a:endParaRPr lang="en-US" dirty="0">
               <a:solidFill>
@@ -3626,7 +3626,7 @@
               <a:pPr>
                 <a:defRPr/>
               </a:pPr>
-              <a:t>9/27/2018</a:t>
+              <a:t>9/18/2019</a:t>
             </a:fld>
             <a:endParaRPr lang="en-US" dirty="0">
               <a:solidFill>
@@ -3834,7 +3834,7 @@
               <a:pPr>
                 <a:defRPr/>
               </a:pPr>
-              <a:t>9/27/2018</a:t>
+              <a:t>9/18/2019</a:t>
             </a:fld>
             <a:endParaRPr lang="en-US" dirty="0"/>
           </a:p>
@@ -4117,7 +4117,7 @@
               <a:pPr>
                 <a:defRPr/>
               </a:pPr>
-              <a:t>9/27/2018</a:t>
+              <a:t>9/18/2019</a:t>
             </a:fld>
             <a:endParaRPr lang="en-US" dirty="0">
               <a:solidFill>
@@ -4331,7 +4331,7 @@
               <a:pPr>
                 <a:defRPr/>
               </a:pPr>
-              <a:t>9/27/2018</a:t>
+              <a:t>9/18/2019</a:t>
             </a:fld>
             <a:endParaRPr lang="en-US" dirty="0">
               <a:solidFill>
@@ -4555,7 +4555,7 @@
               <a:pPr>
                 <a:defRPr/>
               </a:pPr>
-              <a:t>9/27/2018</a:t>
+              <a:t>9/18/2019</a:t>
             </a:fld>
             <a:endParaRPr lang="en-US" dirty="0">
               <a:solidFill>
@@ -4765,7 +4765,7 @@
               <a:pPr>
                 <a:defRPr/>
               </a:pPr>
-              <a:t>9/27/2018</a:t>
+              <a:t>9/18/2019</a:t>
             </a:fld>
             <a:endParaRPr lang="en-US" dirty="0">
               <a:solidFill>
@@ -5042,7 +5042,7 @@
               <a:pPr>
                 <a:defRPr/>
               </a:pPr>
-              <a:t>9/27/2018</a:t>
+              <a:t>9/18/2019</a:t>
             </a:fld>
             <a:endParaRPr lang="en-US" dirty="0"/>
           </a:p>
@@ -5349,7 +5349,7 @@
               <a:pPr>
                 <a:defRPr/>
               </a:pPr>
-              <a:t>9/27/2018</a:t>
+              <a:t>9/18/2019</a:t>
             </a:fld>
             <a:endParaRPr lang="en-US" dirty="0"/>
           </a:p>
@@ -5790,7 +5790,7 @@
               <a:pPr>
                 <a:defRPr/>
               </a:pPr>
-              <a:t>9/27/2018</a:t>
+              <a:t>9/18/2019</a:t>
             </a:fld>
             <a:endParaRPr lang="en-US" dirty="0"/>
           </a:p>
@@ -5929,7 +5929,7 @@
               <a:pPr>
                 <a:defRPr/>
               </a:pPr>
-              <a:t>9/27/2018</a:t>
+              <a:t>9/18/2019</a:t>
             </a:fld>
             <a:endParaRPr lang="en-US" dirty="0"/>
           </a:p>
@@ -6046,7 +6046,7 @@
               <a:pPr>
                 <a:defRPr/>
               </a:pPr>
-              <a:t>9/27/2018</a:t>
+              <a:t>9/18/2019</a:t>
             </a:fld>
             <a:endParaRPr lang="en-US" dirty="0"/>
           </a:p>
@@ -6343,7 +6343,7 @@
               <a:pPr>
                 <a:defRPr/>
               </a:pPr>
-              <a:t>9/27/2018</a:t>
+              <a:t>9/18/2019</a:t>
             </a:fld>
             <a:endParaRPr lang="en-US" dirty="0"/>
           </a:p>
@@ -6620,7 +6620,7 @@
               <a:pPr>
                 <a:defRPr/>
               </a:pPr>
-              <a:t>9/27/2018</a:t>
+              <a:t>9/18/2019</a:t>
             </a:fld>
             <a:endParaRPr lang="en-US" dirty="0"/>
           </a:p>
@@ -6877,7 +6877,7 @@
               <a:pPr>
                 <a:defRPr/>
               </a:pPr>
-              <a:t>9/27/2018</a:t>
+              <a:t>9/18/2019</a:t>
             </a:fld>
             <a:endParaRPr lang="en-US" dirty="0"/>
           </a:p>
@@ -7587,7 +7587,7 @@
               <a:pPr>
                 <a:defRPr/>
               </a:pPr>
-              <a:t>9/27/2018</a:t>
+              <a:t>9/18/2019</a:t>
             </a:fld>
             <a:endParaRPr lang="en-US" dirty="0">
               <a:solidFill>
@@ -14553,8 +14553,21 @@
                   <a:srgbClr val="404040"/>
                 </a:solidFill>
               </a:rPr>
-              <a:t>“Until we can fix people we must fix the data” </a:t>
-            </a:r>
+              <a:t>“Until we can fix people we must fix </a:t>
+            </a:r>
+            <a:r>
+              <a:rPr lang="en-US" i="1">
+                <a:solidFill>
+                  <a:srgbClr val="404040"/>
+                </a:solidFill>
+              </a:rPr>
+              <a:t>the data.” </a:t>
+            </a:r>
+            <a:endParaRPr lang="en-US" i="1" dirty="0">
+              <a:solidFill>
+                <a:srgbClr val="404040"/>
+              </a:solidFill>
+            </a:endParaRPr>
           </a:p>
           <a:p>
             <a:pPr lvl="1"/>
